--- a/3.UniversalCodingBayes/figures/codeDecode.pptx
+++ b/3.UniversalCodingBayes/figures/codeDecode.pptx
@@ -5109,7 +5109,7 @@
             <a:pPr algn="ctr"/>
             <a:r>
               <a:rPr lang="en-US" dirty="0"/>
-              <a:t>Bayes aggregator</a:t>
+              <a:t>aggregator</a:t>
             </a:r>
           </a:p>
         </p:txBody>
@@ -5173,7 +5173,7 @@
             </p:nvSpPr>
             <p:spPr>
               <a:xfrm>
-                <a:off x="4349578" y="2767914"/>
+                <a:off x="4207949" y="2276033"/>
                 <a:ext cx="1413656" cy="369332"/>
               </a:xfrm>
               <a:prstGeom prst="rect">
@@ -5315,7 +5315,7 @@
             </p:nvSpPr>
             <p:spPr>
               <a:xfrm>
-                <a:off x="4349578" y="2767914"/>
+                <a:off x="4207949" y="2276033"/>
                 <a:ext cx="1413656" cy="369332"/>
               </a:xfrm>
               <a:prstGeom prst="rect">
@@ -5324,7 +5324,7 @@
               <a:blipFill>
                 <a:blip r:embed="rId2"/>
                 <a:stretch>
-                  <a:fillRect b="-16129"/>
+                  <a:fillRect b="-16667"/>
                 </a:stretch>
               </a:blipFill>
             </p:spPr>
@@ -5794,7 +5794,7 @@
         </p:nvSpPr>
         <p:spPr>
           <a:xfrm>
-            <a:off x="2411921" y="4941397"/>
+            <a:off x="2434206" y="5245353"/>
             <a:ext cx="1496149" cy="797097"/>
           </a:xfrm>
           <a:prstGeom prst="roundRect">
@@ -5829,9 +5829,10 @@
           <a:p>
             <a:pPr algn="ctr"/>
             <a:r>
-              <a:rPr lang="en-US" dirty="0"/>
-              <a:t>Bayes aggregator</a:t>
+              <a:rPr lang="en-US"/>
+              <a:t>aggregator</a:t>
             </a:r>
+            <a:endParaRPr lang="en-US" dirty="0"/>
           </a:p>
         </p:txBody>
       </p:sp>
@@ -6117,7 +6118,7 @@
             </p:nvSpPr>
             <p:spPr>
               <a:xfrm>
-                <a:off x="2810221" y="3871968"/>
+                <a:off x="3164089" y="3905293"/>
                 <a:ext cx="1570943" cy="369332"/>
               </a:xfrm>
               <a:prstGeom prst="rect">
@@ -6256,7 +6257,7 @@
             </p:nvSpPr>
             <p:spPr>
               <a:xfrm>
-                <a:off x="2810221" y="3871968"/>
+                <a:off x="3164089" y="3905293"/>
                 <a:ext cx="1570943" cy="369332"/>
               </a:xfrm>
               <a:prstGeom prst="rect">
@@ -6265,7 +6266,7 @@
               <a:blipFill>
                 <a:blip r:embed="rId6"/>
                 <a:stretch>
-                  <a:fillRect b="-12903"/>
+                  <a:fillRect b="-16667"/>
                 </a:stretch>
               </a:blipFill>
             </p:spPr>
@@ -6301,8 +6302,8 @@
         </p:nvCxnSpPr>
         <p:spPr>
           <a:xfrm>
-            <a:off x="3159996" y="4316542"/>
-            <a:ext cx="0" cy="624855"/>
+            <a:off x="3182281" y="4303841"/>
+            <a:ext cx="0" cy="941512"/>
           </a:xfrm>
           <a:prstGeom prst="straightConnector1">
             <a:avLst/>
@@ -6344,8 +6345,8 @@
         </p:nvCxnSpPr>
         <p:spPr>
           <a:xfrm flipV="1">
-            <a:off x="3908070" y="4798255"/>
-            <a:ext cx="2148595" cy="541691"/>
+            <a:off x="3930355" y="4798255"/>
+            <a:ext cx="2126310" cy="845647"/>
           </a:xfrm>
           <a:prstGeom prst="bentConnector2">
             <a:avLst/>
@@ -6385,7 +6386,7 @@
             </p:nvSpPr>
             <p:spPr>
               <a:xfrm>
-                <a:off x="4275540" y="5018107"/>
+                <a:off x="4381164" y="5248040"/>
                 <a:ext cx="1413656" cy="369332"/>
               </a:xfrm>
               <a:prstGeom prst="rect">
@@ -6527,7 +6528,7 @@
             </p:nvSpPr>
             <p:spPr>
               <a:xfrm>
-                <a:off x="4275540" y="5018107"/>
+                <a:off x="4381164" y="5248040"/>
                 <a:ext cx="1413656" cy="369332"/>
               </a:xfrm>
               <a:prstGeom prst="rect">
@@ -6536,7 +6537,7 @@
               <a:blipFill>
                 <a:blip r:embed="rId7"/>
                 <a:stretch>
-                  <a:fillRect b="-16667"/>
+                  <a:fillRect b="-13333"/>
                 </a:stretch>
               </a:blipFill>
             </p:spPr>
@@ -6571,7 +6572,7 @@
             </p:nvSpPr>
             <p:spPr>
               <a:xfrm>
-                <a:off x="1701851" y="3934509"/>
+                <a:off x="2434206" y="3966547"/>
                 <a:ext cx="526234" cy="369332"/>
               </a:xfrm>
               <a:prstGeom prst="rect">
@@ -6648,7 +6649,7 @@
             </p:nvSpPr>
             <p:spPr>
               <a:xfrm>
-                <a:off x="1701851" y="3934509"/>
+                <a:off x="2434206" y="3966547"/>
                 <a:ext cx="526234" cy="369332"/>
               </a:xfrm>
               <a:prstGeom prst="rect">
@@ -6676,467 +6677,991 @@
           </p:sp>
         </mc:Fallback>
       </mc:AlternateContent>
-      <p:sp>
-        <p:nvSpPr>
-          <p:cNvPr id="16" name="Rounded Rectangle 15">
-            <a:extLst>
-              <a:ext uri="{FF2B5EF4-FFF2-40B4-BE49-F238E27FC236}">
-                <a16:creationId xmlns:a16="http://schemas.microsoft.com/office/drawing/2014/main" id="{EEFE8035-045D-80E5-5BA3-2D7561546844}"/>
-              </a:ext>
-            </a:extLst>
-          </p:cNvPr>
-          <p:cNvSpPr/>
+      <p:grpSp>
+        <p:nvGrpSpPr>
+          <p:cNvPr id="57" name="Group 56">
+            <a:extLst>
+              <a:ext uri="{FF2B5EF4-FFF2-40B4-BE49-F238E27FC236}">
+                <a16:creationId xmlns:a16="http://schemas.microsoft.com/office/drawing/2014/main" id="{D1C101B4-7C13-E2F2-96A9-D1863EAB93E2}"/>
+              </a:ext>
+            </a:extLst>
+          </p:cNvPr>
+          <p:cNvGrpSpPr/>
           <p:nvPr/>
-        </p:nvSpPr>
-        <p:spPr>
+        </p:nvGrpSpPr>
+        <p:grpSpPr>
           <a:xfrm>
             <a:off x="88812" y="1523871"/>
-            <a:ext cx="1413656" cy="346934"/>
+            <a:ext cx="2323110" cy="1997356"/>
+            <a:chOff x="88812" y="1523871"/>
+            <a:chExt cx="2323110" cy="1997356"/>
           </a:xfrm>
-          <a:prstGeom prst="roundRect">
-            <a:avLst/>
-          </a:prstGeom>
-          <a:solidFill>
-            <a:schemeClr val="accent2"/>
-          </a:solidFill>
-        </p:spPr>
-        <p:style>
-          <a:lnRef idx="2">
-            <a:schemeClr val="accent1">
-              <a:shade val="15000"/>
-            </a:schemeClr>
-          </a:lnRef>
-          <a:fillRef idx="1">
-            <a:schemeClr val="accent1"/>
-          </a:fillRef>
-          <a:effectRef idx="0">
-            <a:schemeClr val="accent1"/>
-          </a:effectRef>
-          <a:fontRef idx="minor">
-            <a:schemeClr val="lt1"/>
-          </a:fontRef>
-        </p:style>
-        <p:txBody>
-          <a:bodyPr rtlCol="0" anchor="ctr"/>
-          <a:lstStyle/>
-          <a:p>
-            <a:pPr algn="ctr"/>
-            <a:r>
-              <a:rPr lang="en-US" dirty="0"/>
-              <a:t>Predictor 1</a:t>
-            </a:r>
-          </a:p>
-        </p:txBody>
-      </p:sp>
-      <p:sp>
-        <p:nvSpPr>
-          <p:cNvPr id="34" name="Rounded Rectangle 33">
-            <a:extLst>
-              <a:ext uri="{FF2B5EF4-FFF2-40B4-BE49-F238E27FC236}">
-                <a16:creationId xmlns:a16="http://schemas.microsoft.com/office/drawing/2014/main" id="{E57C3CA8-3080-F1F7-3E99-B86EEDE9B965}"/>
-              </a:ext>
-            </a:extLst>
-          </p:cNvPr>
-          <p:cNvSpPr/>
+        </p:grpSpPr>
+        <p:sp>
+          <p:nvSpPr>
+            <p:cNvPr id="16" name="Rounded Rectangle 15">
+              <a:extLst>
+                <a:ext uri="{FF2B5EF4-FFF2-40B4-BE49-F238E27FC236}">
+                  <a16:creationId xmlns:a16="http://schemas.microsoft.com/office/drawing/2014/main" id="{EEFE8035-045D-80E5-5BA3-2D7561546844}"/>
+                </a:ext>
+              </a:extLst>
+            </p:cNvPr>
+            <p:cNvSpPr/>
+            <p:nvPr/>
+          </p:nvSpPr>
+          <p:spPr>
+            <a:xfrm>
+              <a:off x="88812" y="1523871"/>
+              <a:ext cx="1413656" cy="346934"/>
+            </a:xfrm>
+            <a:prstGeom prst="roundRect">
+              <a:avLst/>
+            </a:prstGeom>
+            <a:solidFill>
+              <a:schemeClr val="accent2"/>
+            </a:solidFill>
+          </p:spPr>
+          <p:style>
+            <a:lnRef idx="2">
+              <a:schemeClr val="accent1">
+                <a:shade val="15000"/>
+              </a:schemeClr>
+            </a:lnRef>
+            <a:fillRef idx="1">
+              <a:schemeClr val="accent1"/>
+            </a:fillRef>
+            <a:effectRef idx="0">
+              <a:schemeClr val="accent1"/>
+            </a:effectRef>
+            <a:fontRef idx="minor">
+              <a:schemeClr val="lt1"/>
+            </a:fontRef>
+          </p:style>
+          <p:txBody>
+            <a:bodyPr rtlCol="0" anchor="ctr"/>
+            <a:lstStyle/>
+            <a:p>
+              <a:pPr algn="ctr"/>
+              <a:r>
+                <a:rPr lang="en-US" dirty="0"/>
+                <a:t>Predictor 1</a:t>
+              </a:r>
+            </a:p>
+          </p:txBody>
+        </p:sp>
+        <p:sp>
+          <p:nvSpPr>
+            <p:cNvPr id="34" name="Rounded Rectangle 33">
+              <a:extLst>
+                <a:ext uri="{FF2B5EF4-FFF2-40B4-BE49-F238E27FC236}">
+                  <a16:creationId xmlns:a16="http://schemas.microsoft.com/office/drawing/2014/main" id="{E57C3CA8-3080-F1F7-3E99-B86EEDE9B965}"/>
+                </a:ext>
+              </a:extLst>
+            </p:cNvPr>
+            <p:cNvSpPr/>
+            <p:nvPr/>
+          </p:nvSpPr>
+          <p:spPr>
+            <a:xfrm>
+              <a:off x="88812" y="1798941"/>
+              <a:ext cx="1413656" cy="346934"/>
+            </a:xfrm>
+            <a:prstGeom prst="roundRect">
+              <a:avLst/>
+            </a:prstGeom>
+            <a:solidFill>
+              <a:schemeClr val="accent2"/>
+            </a:solidFill>
+          </p:spPr>
+          <p:style>
+            <a:lnRef idx="2">
+              <a:schemeClr val="accent1">
+                <a:shade val="15000"/>
+              </a:schemeClr>
+            </a:lnRef>
+            <a:fillRef idx="1">
+              <a:schemeClr val="accent1"/>
+            </a:fillRef>
+            <a:effectRef idx="0">
+              <a:schemeClr val="accent1"/>
+            </a:effectRef>
+            <a:fontRef idx="minor">
+              <a:schemeClr val="lt1"/>
+            </a:fontRef>
+          </p:style>
+          <p:txBody>
+            <a:bodyPr rtlCol="0" anchor="ctr"/>
+            <a:lstStyle/>
+            <a:p>
+              <a:pPr algn="ctr"/>
+              <a:r>
+                <a:rPr lang="en-US" dirty="0"/>
+                <a:t>Predictor 2</a:t>
+              </a:r>
+            </a:p>
+          </p:txBody>
+        </p:sp>
+        <p:sp>
+          <p:nvSpPr>
+            <p:cNvPr id="35" name="Rounded Rectangle 34">
+              <a:extLst>
+                <a:ext uri="{FF2B5EF4-FFF2-40B4-BE49-F238E27FC236}">
+                  <a16:creationId xmlns:a16="http://schemas.microsoft.com/office/drawing/2014/main" id="{CF587744-EC9D-255F-9759-21717D663AC0}"/>
+                </a:ext>
+              </a:extLst>
+            </p:cNvPr>
+            <p:cNvSpPr/>
+            <p:nvPr/>
+          </p:nvSpPr>
+          <p:spPr>
+            <a:xfrm>
+              <a:off x="88812" y="2074011"/>
+              <a:ext cx="1413656" cy="346934"/>
+            </a:xfrm>
+            <a:prstGeom prst="roundRect">
+              <a:avLst/>
+            </a:prstGeom>
+            <a:solidFill>
+              <a:schemeClr val="accent2"/>
+            </a:solidFill>
+          </p:spPr>
+          <p:style>
+            <a:lnRef idx="2">
+              <a:schemeClr val="accent1">
+                <a:shade val="15000"/>
+              </a:schemeClr>
+            </a:lnRef>
+            <a:fillRef idx="1">
+              <a:schemeClr val="accent1"/>
+            </a:fillRef>
+            <a:effectRef idx="0">
+              <a:schemeClr val="accent1"/>
+            </a:effectRef>
+            <a:fontRef idx="minor">
+              <a:schemeClr val="lt1"/>
+            </a:fontRef>
+          </p:style>
+          <p:txBody>
+            <a:bodyPr rtlCol="0" anchor="ctr"/>
+            <a:lstStyle/>
+            <a:p>
+              <a:pPr algn="ctr"/>
+              <a:r>
+                <a:rPr lang="en-US" dirty="0"/>
+                <a:t>Predictor 3</a:t>
+              </a:r>
+            </a:p>
+          </p:txBody>
+        </p:sp>
+        <p:sp>
+          <p:nvSpPr>
+            <p:cNvPr id="38" name="Rounded Rectangle 37">
+              <a:extLst>
+                <a:ext uri="{FF2B5EF4-FFF2-40B4-BE49-F238E27FC236}">
+                  <a16:creationId xmlns:a16="http://schemas.microsoft.com/office/drawing/2014/main" id="{B3897990-44A8-F812-0FB8-BFEDC89A551C}"/>
+                </a:ext>
+              </a:extLst>
+            </p:cNvPr>
+            <p:cNvSpPr/>
+            <p:nvPr/>
+          </p:nvSpPr>
+          <p:spPr>
+            <a:xfrm>
+              <a:off x="88812" y="2349081"/>
+              <a:ext cx="1413656" cy="346934"/>
+            </a:xfrm>
+            <a:prstGeom prst="roundRect">
+              <a:avLst/>
+            </a:prstGeom>
+            <a:solidFill>
+              <a:schemeClr val="accent2"/>
+            </a:solidFill>
+          </p:spPr>
+          <p:style>
+            <a:lnRef idx="2">
+              <a:schemeClr val="accent1">
+                <a:shade val="15000"/>
+              </a:schemeClr>
+            </a:lnRef>
+            <a:fillRef idx="1">
+              <a:schemeClr val="accent1"/>
+            </a:fillRef>
+            <a:effectRef idx="0">
+              <a:schemeClr val="accent1"/>
+            </a:effectRef>
+            <a:fontRef idx="minor">
+              <a:schemeClr val="lt1"/>
+            </a:fontRef>
+          </p:style>
+          <p:txBody>
+            <a:bodyPr rtlCol="0" anchor="ctr"/>
+            <a:lstStyle/>
+            <a:p>
+              <a:pPr algn="ctr"/>
+              <a:r>
+                <a:rPr lang="en-US" dirty="0"/>
+                <a:t>Predictor 4</a:t>
+              </a:r>
+            </a:p>
+          </p:txBody>
+        </p:sp>
+        <p:sp>
+          <p:nvSpPr>
+            <p:cNvPr id="41" name="Rounded Rectangle 40">
+              <a:extLst>
+                <a:ext uri="{FF2B5EF4-FFF2-40B4-BE49-F238E27FC236}">
+                  <a16:creationId xmlns:a16="http://schemas.microsoft.com/office/drawing/2014/main" id="{3FE9199B-6133-8456-4F31-3CBBBB8FE8CD}"/>
+                </a:ext>
+              </a:extLst>
+            </p:cNvPr>
+            <p:cNvSpPr/>
+            <p:nvPr/>
+          </p:nvSpPr>
+          <p:spPr>
+            <a:xfrm>
+              <a:off x="88812" y="3174293"/>
+              <a:ext cx="1413656" cy="346934"/>
+            </a:xfrm>
+            <a:prstGeom prst="roundRect">
+              <a:avLst/>
+            </a:prstGeom>
+            <a:solidFill>
+              <a:schemeClr val="accent2"/>
+            </a:solidFill>
+          </p:spPr>
+          <p:style>
+            <a:lnRef idx="2">
+              <a:schemeClr val="accent1">
+                <a:shade val="15000"/>
+              </a:schemeClr>
+            </a:lnRef>
+            <a:fillRef idx="1">
+              <a:schemeClr val="accent1"/>
+            </a:fillRef>
+            <a:effectRef idx="0">
+              <a:schemeClr val="accent1"/>
+            </a:effectRef>
+            <a:fontRef idx="minor">
+              <a:schemeClr val="lt1"/>
+            </a:fontRef>
+          </p:style>
+          <p:txBody>
+            <a:bodyPr rtlCol="0" anchor="ctr"/>
+            <a:lstStyle/>
+            <a:p>
+              <a:pPr algn="ctr"/>
+              <a:r>
+                <a:rPr lang="en-US" dirty="0"/>
+                <a:t>Predictor N</a:t>
+              </a:r>
+            </a:p>
+          </p:txBody>
+        </p:sp>
+        <p:cxnSp>
+          <p:nvCxnSpPr>
+            <p:cNvPr id="43" name="Straight Arrow Connector 42">
+              <a:extLst>
+                <a:ext uri="{FF2B5EF4-FFF2-40B4-BE49-F238E27FC236}">
+                  <a16:creationId xmlns:a16="http://schemas.microsoft.com/office/drawing/2014/main" id="{C903BCAA-9180-DC40-8904-E2F9CA1FF0E4}"/>
+                </a:ext>
+              </a:extLst>
+            </p:cNvPr>
+            <p:cNvCxnSpPr>
+              <a:cxnSpLocks/>
+              <a:stCxn id="16" idx="3"/>
+              <a:endCxn id="5" idx="1"/>
+            </p:cNvCxnSpPr>
+            <p:nvPr/>
+          </p:nvCxnSpPr>
+          <p:spPr>
+            <a:xfrm>
+              <a:off x="1502468" y="1697338"/>
+              <a:ext cx="909454" cy="952251"/>
+            </a:xfrm>
+            <a:prstGeom prst="straightConnector1">
+              <a:avLst/>
+            </a:prstGeom>
+            <a:ln>
+              <a:tailEnd type="triangle"/>
+            </a:ln>
+          </p:spPr>
+          <p:style>
+            <a:lnRef idx="2">
+              <a:schemeClr val="accent1"/>
+            </a:lnRef>
+            <a:fillRef idx="0">
+              <a:schemeClr val="accent1"/>
+            </a:fillRef>
+            <a:effectRef idx="1">
+              <a:schemeClr val="accent1"/>
+            </a:effectRef>
+            <a:fontRef idx="minor">
+              <a:schemeClr val="tx1"/>
+            </a:fontRef>
+          </p:style>
+        </p:cxnSp>
+        <p:cxnSp>
+          <p:nvCxnSpPr>
+            <p:cNvPr id="44" name="Straight Arrow Connector 43">
+              <a:extLst>
+                <a:ext uri="{FF2B5EF4-FFF2-40B4-BE49-F238E27FC236}">
+                  <a16:creationId xmlns:a16="http://schemas.microsoft.com/office/drawing/2014/main" id="{4FE66301-3814-C994-C699-5AE2AA4B8A04}"/>
+                </a:ext>
+              </a:extLst>
+            </p:cNvPr>
+            <p:cNvCxnSpPr>
+              <a:cxnSpLocks/>
+              <a:stCxn id="38" idx="3"/>
+              <a:endCxn id="5" idx="1"/>
+            </p:cNvCxnSpPr>
+            <p:nvPr/>
+          </p:nvCxnSpPr>
+          <p:spPr>
+            <a:xfrm>
+              <a:off x="1502468" y="2522548"/>
+              <a:ext cx="909454" cy="127041"/>
+            </a:xfrm>
+            <a:prstGeom prst="straightConnector1">
+              <a:avLst/>
+            </a:prstGeom>
+            <a:ln>
+              <a:tailEnd type="triangle"/>
+            </a:ln>
+          </p:spPr>
+          <p:style>
+            <a:lnRef idx="2">
+              <a:schemeClr val="accent1"/>
+            </a:lnRef>
+            <a:fillRef idx="0">
+              <a:schemeClr val="accent1"/>
+            </a:fillRef>
+            <a:effectRef idx="1">
+              <a:schemeClr val="accent1"/>
+            </a:effectRef>
+            <a:fontRef idx="minor">
+              <a:schemeClr val="tx1"/>
+            </a:fontRef>
+          </p:style>
+        </p:cxnSp>
+        <p:cxnSp>
+          <p:nvCxnSpPr>
+            <p:cNvPr id="45" name="Straight Arrow Connector 44">
+              <a:extLst>
+                <a:ext uri="{FF2B5EF4-FFF2-40B4-BE49-F238E27FC236}">
+                  <a16:creationId xmlns:a16="http://schemas.microsoft.com/office/drawing/2014/main" id="{47A965BA-09C5-66E8-3A41-52E548B6C227}"/>
+                </a:ext>
+              </a:extLst>
+            </p:cNvPr>
+            <p:cNvCxnSpPr>
+              <a:cxnSpLocks/>
+              <a:endCxn id="5" idx="1"/>
+            </p:cNvCxnSpPr>
+            <p:nvPr/>
+          </p:nvCxnSpPr>
+          <p:spPr>
+            <a:xfrm flipV="1">
+              <a:off x="1497521" y="2649589"/>
+              <a:ext cx="914401" cy="671281"/>
+            </a:xfrm>
+            <a:prstGeom prst="straightConnector1">
+              <a:avLst/>
+            </a:prstGeom>
+            <a:ln>
+              <a:tailEnd type="triangle"/>
+            </a:ln>
+          </p:spPr>
+          <p:style>
+            <a:lnRef idx="2">
+              <a:schemeClr val="accent1"/>
+            </a:lnRef>
+            <a:fillRef idx="0">
+              <a:schemeClr val="accent1"/>
+            </a:fillRef>
+            <a:effectRef idx="1">
+              <a:schemeClr val="accent1"/>
+            </a:effectRef>
+            <a:fontRef idx="minor">
+              <a:schemeClr val="tx1"/>
+            </a:fontRef>
+          </p:style>
+        </p:cxnSp>
+        <p:cxnSp>
+          <p:nvCxnSpPr>
+            <p:cNvPr id="46" name="Straight Arrow Connector 45">
+              <a:extLst>
+                <a:ext uri="{FF2B5EF4-FFF2-40B4-BE49-F238E27FC236}">
+                  <a16:creationId xmlns:a16="http://schemas.microsoft.com/office/drawing/2014/main" id="{01B0A875-01EC-C3B4-BB0B-1D4734D46180}"/>
+                </a:ext>
+              </a:extLst>
+            </p:cNvPr>
+            <p:cNvCxnSpPr>
+              <a:cxnSpLocks/>
+              <a:stCxn id="35" idx="3"/>
+              <a:endCxn id="5" idx="1"/>
+            </p:cNvCxnSpPr>
+            <p:nvPr/>
+          </p:nvCxnSpPr>
+          <p:spPr>
+            <a:xfrm>
+              <a:off x="1502468" y="2247478"/>
+              <a:ext cx="909454" cy="402111"/>
+            </a:xfrm>
+            <a:prstGeom prst="straightConnector1">
+              <a:avLst/>
+            </a:prstGeom>
+            <a:ln>
+              <a:tailEnd type="triangle"/>
+            </a:ln>
+          </p:spPr>
+          <p:style>
+            <a:lnRef idx="2">
+              <a:schemeClr val="accent1"/>
+            </a:lnRef>
+            <a:fillRef idx="0">
+              <a:schemeClr val="accent1"/>
+            </a:fillRef>
+            <a:effectRef idx="1">
+              <a:schemeClr val="accent1"/>
+            </a:effectRef>
+            <a:fontRef idx="minor">
+              <a:schemeClr val="tx1"/>
+            </a:fontRef>
+          </p:style>
+        </p:cxnSp>
+        <p:cxnSp>
+          <p:nvCxnSpPr>
+            <p:cNvPr id="47" name="Straight Arrow Connector 46">
+              <a:extLst>
+                <a:ext uri="{FF2B5EF4-FFF2-40B4-BE49-F238E27FC236}">
+                  <a16:creationId xmlns:a16="http://schemas.microsoft.com/office/drawing/2014/main" id="{B115659A-418D-E5CB-0834-8F0FC4EEB69A}"/>
+                </a:ext>
+              </a:extLst>
+            </p:cNvPr>
+            <p:cNvCxnSpPr>
+              <a:cxnSpLocks/>
+              <a:stCxn id="34" idx="3"/>
+              <a:endCxn id="5" idx="1"/>
+            </p:cNvCxnSpPr>
+            <p:nvPr/>
+          </p:nvCxnSpPr>
+          <p:spPr>
+            <a:xfrm>
+              <a:off x="1502468" y="1972408"/>
+              <a:ext cx="909454" cy="677181"/>
+            </a:xfrm>
+            <a:prstGeom prst="straightConnector1">
+              <a:avLst/>
+            </a:prstGeom>
+            <a:ln>
+              <a:tailEnd type="triangle"/>
+            </a:ln>
+          </p:spPr>
+          <p:style>
+            <a:lnRef idx="2">
+              <a:schemeClr val="accent1"/>
+            </a:lnRef>
+            <a:fillRef idx="0">
+              <a:schemeClr val="accent1"/>
+            </a:fillRef>
+            <a:effectRef idx="1">
+              <a:schemeClr val="accent1"/>
+            </a:effectRef>
+            <a:fontRef idx="minor">
+              <a:schemeClr val="tx1"/>
+            </a:fontRef>
+          </p:style>
+        </p:cxnSp>
+      </p:grpSp>
+      <p:grpSp>
+        <p:nvGrpSpPr>
+          <p:cNvPr id="58" name="Group 57">
+            <a:extLst>
+              <a:ext uri="{FF2B5EF4-FFF2-40B4-BE49-F238E27FC236}">
+                <a16:creationId xmlns:a16="http://schemas.microsoft.com/office/drawing/2014/main" id="{A048EF2B-D60C-2FAC-167B-796692283F2C}"/>
+              </a:ext>
+            </a:extLst>
+          </p:cNvPr>
+          <p:cNvGrpSpPr/>
           <p:nvPr/>
-        </p:nvSpPr>
-        <p:spPr>
+        </p:nvGrpSpPr>
+        <p:grpSpPr>
           <a:xfrm>
-            <a:off x="88812" y="1798941"/>
-            <a:ext cx="1413656" cy="346934"/>
+            <a:off x="111096" y="4471758"/>
+            <a:ext cx="2323110" cy="1997356"/>
+            <a:chOff x="88812" y="1523871"/>
+            <a:chExt cx="2323110" cy="1997356"/>
           </a:xfrm>
-          <a:prstGeom prst="roundRect">
-            <a:avLst/>
-          </a:prstGeom>
-          <a:solidFill>
-            <a:schemeClr val="accent2"/>
-          </a:solidFill>
-        </p:spPr>
-        <p:style>
-          <a:lnRef idx="2">
-            <a:schemeClr val="accent1">
-              <a:shade val="15000"/>
-            </a:schemeClr>
-          </a:lnRef>
-          <a:fillRef idx="1">
-            <a:schemeClr val="accent1"/>
-          </a:fillRef>
-          <a:effectRef idx="0">
-            <a:schemeClr val="accent1"/>
-          </a:effectRef>
-          <a:fontRef idx="minor">
-            <a:schemeClr val="lt1"/>
-          </a:fontRef>
-        </p:style>
-        <p:txBody>
-          <a:bodyPr rtlCol="0" anchor="ctr"/>
-          <a:lstStyle/>
-          <a:p>
-            <a:pPr algn="ctr"/>
-            <a:r>
-              <a:rPr lang="en-US" dirty="0"/>
-              <a:t>Predictor 2</a:t>
-            </a:r>
-          </a:p>
-        </p:txBody>
-      </p:sp>
-      <p:sp>
-        <p:nvSpPr>
-          <p:cNvPr id="35" name="Rounded Rectangle 34">
-            <a:extLst>
-              <a:ext uri="{FF2B5EF4-FFF2-40B4-BE49-F238E27FC236}">
-                <a16:creationId xmlns:a16="http://schemas.microsoft.com/office/drawing/2014/main" id="{CF587744-EC9D-255F-9759-21717D663AC0}"/>
-              </a:ext>
-            </a:extLst>
-          </p:cNvPr>
-          <p:cNvSpPr/>
-          <p:nvPr/>
-        </p:nvSpPr>
-        <p:spPr>
-          <a:xfrm>
-            <a:off x="88812" y="2074011"/>
-            <a:ext cx="1413656" cy="346934"/>
-          </a:xfrm>
-          <a:prstGeom prst="roundRect">
-            <a:avLst/>
-          </a:prstGeom>
-          <a:solidFill>
-            <a:schemeClr val="accent2"/>
-          </a:solidFill>
-        </p:spPr>
-        <p:style>
-          <a:lnRef idx="2">
-            <a:schemeClr val="accent1">
-              <a:shade val="15000"/>
-            </a:schemeClr>
-          </a:lnRef>
-          <a:fillRef idx="1">
-            <a:schemeClr val="accent1"/>
-          </a:fillRef>
-          <a:effectRef idx="0">
-            <a:schemeClr val="accent1"/>
-          </a:effectRef>
-          <a:fontRef idx="minor">
-            <a:schemeClr val="lt1"/>
-          </a:fontRef>
-        </p:style>
-        <p:txBody>
-          <a:bodyPr rtlCol="0" anchor="ctr"/>
-          <a:lstStyle/>
-          <a:p>
-            <a:pPr algn="ctr"/>
-            <a:r>
-              <a:rPr lang="en-US" dirty="0"/>
-              <a:t>Predictor 3</a:t>
-            </a:r>
-          </a:p>
-        </p:txBody>
-      </p:sp>
-      <p:sp>
-        <p:nvSpPr>
-          <p:cNvPr id="38" name="Rounded Rectangle 37">
-            <a:extLst>
-              <a:ext uri="{FF2B5EF4-FFF2-40B4-BE49-F238E27FC236}">
-                <a16:creationId xmlns:a16="http://schemas.microsoft.com/office/drawing/2014/main" id="{B3897990-44A8-F812-0FB8-BFEDC89A551C}"/>
-              </a:ext>
-            </a:extLst>
-          </p:cNvPr>
-          <p:cNvSpPr/>
-          <p:nvPr/>
-        </p:nvSpPr>
-        <p:spPr>
-          <a:xfrm>
-            <a:off x="88812" y="2349081"/>
-            <a:ext cx="1413656" cy="346934"/>
-          </a:xfrm>
-          <a:prstGeom prst="roundRect">
-            <a:avLst/>
-          </a:prstGeom>
-          <a:solidFill>
-            <a:schemeClr val="accent2"/>
-          </a:solidFill>
-        </p:spPr>
-        <p:style>
-          <a:lnRef idx="2">
-            <a:schemeClr val="accent1">
-              <a:shade val="15000"/>
-            </a:schemeClr>
-          </a:lnRef>
-          <a:fillRef idx="1">
-            <a:schemeClr val="accent1"/>
-          </a:fillRef>
-          <a:effectRef idx="0">
-            <a:schemeClr val="accent1"/>
-          </a:effectRef>
-          <a:fontRef idx="minor">
-            <a:schemeClr val="lt1"/>
-          </a:fontRef>
-        </p:style>
-        <p:txBody>
-          <a:bodyPr rtlCol="0" anchor="ctr"/>
-          <a:lstStyle/>
-          <a:p>
-            <a:pPr algn="ctr"/>
-            <a:r>
-              <a:rPr lang="en-US" dirty="0"/>
-              <a:t>Predictor 4</a:t>
-            </a:r>
-          </a:p>
-        </p:txBody>
-      </p:sp>
-      <p:sp>
-        <p:nvSpPr>
-          <p:cNvPr id="41" name="Rounded Rectangle 40">
-            <a:extLst>
-              <a:ext uri="{FF2B5EF4-FFF2-40B4-BE49-F238E27FC236}">
-                <a16:creationId xmlns:a16="http://schemas.microsoft.com/office/drawing/2014/main" id="{3FE9199B-6133-8456-4F31-3CBBBB8FE8CD}"/>
-              </a:ext>
-            </a:extLst>
-          </p:cNvPr>
-          <p:cNvSpPr/>
-          <p:nvPr/>
-        </p:nvSpPr>
-        <p:spPr>
-          <a:xfrm>
-            <a:off x="88812" y="3174293"/>
-            <a:ext cx="1413656" cy="346934"/>
-          </a:xfrm>
-          <a:prstGeom prst="roundRect">
-            <a:avLst/>
-          </a:prstGeom>
-          <a:solidFill>
-            <a:schemeClr val="accent2"/>
-          </a:solidFill>
-        </p:spPr>
-        <p:style>
-          <a:lnRef idx="2">
-            <a:schemeClr val="accent1">
-              <a:shade val="15000"/>
-            </a:schemeClr>
-          </a:lnRef>
-          <a:fillRef idx="1">
-            <a:schemeClr val="accent1"/>
-          </a:fillRef>
-          <a:effectRef idx="0">
-            <a:schemeClr val="accent1"/>
-          </a:effectRef>
-          <a:fontRef idx="minor">
-            <a:schemeClr val="lt1"/>
-          </a:fontRef>
-        </p:style>
-        <p:txBody>
-          <a:bodyPr rtlCol="0" anchor="ctr"/>
-          <a:lstStyle/>
-          <a:p>
-            <a:pPr algn="ctr"/>
-            <a:r>
-              <a:rPr lang="en-US" dirty="0"/>
-              <a:t>Predictor N</a:t>
-            </a:r>
-          </a:p>
-        </p:txBody>
-      </p:sp>
-      <p:cxnSp>
-        <p:nvCxnSpPr>
-          <p:cNvPr id="43" name="Straight Arrow Connector 42">
-            <a:extLst>
-              <a:ext uri="{FF2B5EF4-FFF2-40B4-BE49-F238E27FC236}">
-                <a16:creationId xmlns:a16="http://schemas.microsoft.com/office/drawing/2014/main" id="{C903BCAA-9180-DC40-8904-E2F9CA1FF0E4}"/>
-              </a:ext>
-            </a:extLst>
-          </p:cNvPr>
-          <p:cNvCxnSpPr>
-            <a:stCxn id="16" idx="3"/>
-          </p:cNvCxnSpPr>
-          <p:nvPr/>
-        </p:nvCxnSpPr>
-        <p:spPr>
-          <a:xfrm>
-            <a:off x="1502468" y="1682638"/>
-            <a:ext cx="914400" cy="914400"/>
-          </a:xfrm>
-          <a:prstGeom prst="straightConnector1">
-            <a:avLst/>
-          </a:prstGeom>
-          <a:ln>
-            <a:tailEnd type="triangle"/>
-          </a:ln>
-        </p:spPr>
-        <p:style>
-          <a:lnRef idx="2">
-            <a:schemeClr val="accent1"/>
-          </a:lnRef>
-          <a:fillRef idx="0">
-            <a:schemeClr val="accent1"/>
-          </a:fillRef>
-          <a:effectRef idx="1">
-            <a:schemeClr val="accent1"/>
-          </a:effectRef>
-          <a:fontRef idx="minor">
-            <a:schemeClr val="tx1"/>
-          </a:fontRef>
-        </p:style>
-      </p:cxnSp>
-      <p:cxnSp>
-        <p:nvCxnSpPr>
-          <p:cNvPr id="44" name="Straight Arrow Connector 43">
-            <a:extLst>
-              <a:ext uri="{FF2B5EF4-FFF2-40B4-BE49-F238E27FC236}">
-                <a16:creationId xmlns:a16="http://schemas.microsoft.com/office/drawing/2014/main" id="{4FE66301-3814-C994-C699-5AE2AA4B8A04}"/>
-              </a:ext>
-            </a:extLst>
-          </p:cNvPr>
-          <p:cNvCxnSpPr/>
-          <p:nvPr/>
-        </p:nvCxnSpPr>
-        <p:spPr>
-          <a:xfrm>
-            <a:off x="1654868" y="1835038"/>
-            <a:ext cx="914400" cy="914400"/>
-          </a:xfrm>
-          <a:prstGeom prst="straightConnector1">
-            <a:avLst/>
-          </a:prstGeom>
-          <a:ln>
-            <a:tailEnd type="triangle"/>
-          </a:ln>
-        </p:spPr>
-        <p:style>
-          <a:lnRef idx="2">
-            <a:schemeClr val="accent1"/>
-          </a:lnRef>
-          <a:fillRef idx="0">
-            <a:schemeClr val="accent1"/>
-          </a:fillRef>
-          <a:effectRef idx="1">
-            <a:schemeClr val="accent1"/>
-          </a:effectRef>
-          <a:fontRef idx="minor">
-            <a:schemeClr val="tx1"/>
-          </a:fontRef>
-        </p:style>
-      </p:cxnSp>
-      <p:cxnSp>
-        <p:nvCxnSpPr>
-          <p:cNvPr id="45" name="Straight Arrow Connector 44">
-            <a:extLst>
-              <a:ext uri="{FF2B5EF4-FFF2-40B4-BE49-F238E27FC236}">
-                <a16:creationId xmlns:a16="http://schemas.microsoft.com/office/drawing/2014/main" id="{47A965BA-09C5-66E8-3A41-52E548B6C227}"/>
-              </a:ext>
-            </a:extLst>
-          </p:cNvPr>
-          <p:cNvCxnSpPr/>
-          <p:nvPr/>
-        </p:nvCxnSpPr>
-        <p:spPr>
-          <a:xfrm>
-            <a:off x="1807268" y="1987438"/>
-            <a:ext cx="914400" cy="914400"/>
-          </a:xfrm>
-          <a:prstGeom prst="straightConnector1">
-            <a:avLst/>
-          </a:prstGeom>
-          <a:ln>
-            <a:tailEnd type="triangle"/>
-          </a:ln>
-        </p:spPr>
-        <p:style>
-          <a:lnRef idx="2">
-            <a:schemeClr val="accent1"/>
-          </a:lnRef>
-          <a:fillRef idx="0">
-            <a:schemeClr val="accent1"/>
-          </a:fillRef>
-          <a:effectRef idx="1">
-            <a:schemeClr val="accent1"/>
-          </a:effectRef>
-          <a:fontRef idx="minor">
-            <a:schemeClr val="tx1"/>
-          </a:fontRef>
-        </p:style>
-      </p:cxnSp>
-      <p:cxnSp>
-        <p:nvCxnSpPr>
-          <p:cNvPr id="46" name="Straight Arrow Connector 45">
-            <a:extLst>
-              <a:ext uri="{FF2B5EF4-FFF2-40B4-BE49-F238E27FC236}">
-                <a16:creationId xmlns:a16="http://schemas.microsoft.com/office/drawing/2014/main" id="{01B0A875-01EC-C3B4-BB0B-1D4734D46180}"/>
-              </a:ext>
-            </a:extLst>
-          </p:cNvPr>
-          <p:cNvCxnSpPr/>
-          <p:nvPr/>
-        </p:nvCxnSpPr>
-        <p:spPr>
-          <a:xfrm>
-            <a:off x="1548609" y="2487810"/>
-            <a:ext cx="914400" cy="914400"/>
-          </a:xfrm>
-          <a:prstGeom prst="straightConnector1">
-            <a:avLst/>
-          </a:prstGeom>
-          <a:ln>
-            <a:tailEnd type="triangle"/>
-          </a:ln>
-        </p:spPr>
-        <p:style>
-          <a:lnRef idx="2">
-            <a:schemeClr val="accent1"/>
-          </a:lnRef>
-          <a:fillRef idx="0">
-            <a:schemeClr val="accent1"/>
-          </a:fillRef>
-          <a:effectRef idx="1">
-            <a:schemeClr val="accent1"/>
-          </a:effectRef>
-          <a:fontRef idx="minor">
-            <a:schemeClr val="tx1"/>
-          </a:fontRef>
-        </p:style>
-      </p:cxnSp>
-      <p:cxnSp>
-        <p:nvCxnSpPr>
-          <p:cNvPr id="47" name="Straight Arrow Connector 46">
-            <a:extLst>
-              <a:ext uri="{FF2B5EF4-FFF2-40B4-BE49-F238E27FC236}">
-                <a16:creationId xmlns:a16="http://schemas.microsoft.com/office/drawing/2014/main" id="{B115659A-418D-E5CB-0834-8F0FC4EEB69A}"/>
-              </a:ext>
-            </a:extLst>
-          </p:cNvPr>
-          <p:cNvCxnSpPr>
-            <a:cxnSpLocks/>
-            <a:stCxn id="34" idx="3"/>
-            <a:endCxn id="5" idx="1"/>
-          </p:cNvCxnSpPr>
-          <p:nvPr/>
-        </p:nvCxnSpPr>
-        <p:spPr>
-          <a:xfrm>
-            <a:off x="1502468" y="1972408"/>
-            <a:ext cx="909454" cy="677181"/>
-          </a:xfrm>
-          <a:prstGeom prst="straightConnector1">
-            <a:avLst/>
-          </a:prstGeom>
-          <a:ln>
-            <a:tailEnd type="triangle"/>
-          </a:ln>
-        </p:spPr>
-        <p:style>
-          <a:lnRef idx="2">
-            <a:schemeClr val="accent1"/>
-          </a:lnRef>
-          <a:fillRef idx="0">
-            <a:schemeClr val="accent1"/>
-          </a:fillRef>
-          <a:effectRef idx="1">
-            <a:schemeClr val="accent1"/>
-          </a:effectRef>
-          <a:fontRef idx="minor">
-            <a:schemeClr val="tx1"/>
-          </a:fontRef>
-        </p:style>
-      </p:cxnSp>
+        </p:grpSpPr>
+        <p:sp>
+          <p:nvSpPr>
+            <p:cNvPr id="59" name="Rounded Rectangle 58">
+              <a:extLst>
+                <a:ext uri="{FF2B5EF4-FFF2-40B4-BE49-F238E27FC236}">
+                  <a16:creationId xmlns:a16="http://schemas.microsoft.com/office/drawing/2014/main" id="{12E8CE63-6CC1-814D-83C1-91B1793E808B}"/>
+                </a:ext>
+              </a:extLst>
+            </p:cNvPr>
+            <p:cNvSpPr/>
+            <p:nvPr/>
+          </p:nvSpPr>
+          <p:spPr>
+            <a:xfrm>
+              <a:off x="88812" y="1523871"/>
+              <a:ext cx="1413656" cy="346934"/>
+            </a:xfrm>
+            <a:prstGeom prst="roundRect">
+              <a:avLst/>
+            </a:prstGeom>
+            <a:solidFill>
+              <a:schemeClr val="accent2"/>
+            </a:solidFill>
+          </p:spPr>
+          <p:style>
+            <a:lnRef idx="2">
+              <a:schemeClr val="accent1">
+                <a:shade val="15000"/>
+              </a:schemeClr>
+            </a:lnRef>
+            <a:fillRef idx="1">
+              <a:schemeClr val="accent1"/>
+            </a:fillRef>
+            <a:effectRef idx="0">
+              <a:schemeClr val="accent1"/>
+            </a:effectRef>
+            <a:fontRef idx="minor">
+              <a:schemeClr val="lt1"/>
+            </a:fontRef>
+          </p:style>
+          <p:txBody>
+            <a:bodyPr rtlCol="0" anchor="ctr"/>
+            <a:lstStyle/>
+            <a:p>
+              <a:pPr algn="ctr"/>
+              <a:r>
+                <a:rPr lang="en-US" dirty="0"/>
+                <a:t>Predictor 1</a:t>
+              </a:r>
+            </a:p>
+          </p:txBody>
+        </p:sp>
+        <p:sp>
+          <p:nvSpPr>
+            <p:cNvPr id="60" name="Rounded Rectangle 59">
+              <a:extLst>
+                <a:ext uri="{FF2B5EF4-FFF2-40B4-BE49-F238E27FC236}">
+                  <a16:creationId xmlns:a16="http://schemas.microsoft.com/office/drawing/2014/main" id="{22776A4C-AE6C-DA36-A0F0-4280728582F8}"/>
+                </a:ext>
+              </a:extLst>
+            </p:cNvPr>
+            <p:cNvSpPr/>
+            <p:nvPr/>
+          </p:nvSpPr>
+          <p:spPr>
+            <a:xfrm>
+              <a:off x="88812" y="1798941"/>
+              <a:ext cx="1413656" cy="346934"/>
+            </a:xfrm>
+            <a:prstGeom prst="roundRect">
+              <a:avLst/>
+            </a:prstGeom>
+            <a:solidFill>
+              <a:schemeClr val="accent2"/>
+            </a:solidFill>
+          </p:spPr>
+          <p:style>
+            <a:lnRef idx="2">
+              <a:schemeClr val="accent1">
+                <a:shade val="15000"/>
+              </a:schemeClr>
+            </a:lnRef>
+            <a:fillRef idx="1">
+              <a:schemeClr val="accent1"/>
+            </a:fillRef>
+            <a:effectRef idx="0">
+              <a:schemeClr val="accent1"/>
+            </a:effectRef>
+            <a:fontRef idx="minor">
+              <a:schemeClr val="lt1"/>
+            </a:fontRef>
+          </p:style>
+          <p:txBody>
+            <a:bodyPr rtlCol="0" anchor="ctr"/>
+            <a:lstStyle/>
+            <a:p>
+              <a:pPr algn="ctr"/>
+              <a:r>
+                <a:rPr lang="en-US" dirty="0"/>
+                <a:t>Predictor 2</a:t>
+              </a:r>
+            </a:p>
+          </p:txBody>
+        </p:sp>
+        <p:sp>
+          <p:nvSpPr>
+            <p:cNvPr id="61" name="Rounded Rectangle 60">
+              <a:extLst>
+                <a:ext uri="{FF2B5EF4-FFF2-40B4-BE49-F238E27FC236}">
+                  <a16:creationId xmlns:a16="http://schemas.microsoft.com/office/drawing/2014/main" id="{1958B713-12C5-330C-EE4F-E18F66AEEBBB}"/>
+                </a:ext>
+              </a:extLst>
+            </p:cNvPr>
+            <p:cNvSpPr/>
+            <p:nvPr/>
+          </p:nvSpPr>
+          <p:spPr>
+            <a:xfrm>
+              <a:off x="88812" y="2074011"/>
+              <a:ext cx="1413656" cy="346934"/>
+            </a:xfrm>
+            <a:prstGeom prst="roundRect">
+              <a:avLst/>
+            </a:prstGeom>
+            <a:solidFill>
+              <a:schemeClr val="accent2"/>
+            </a:solidFill>
+          </p:spPr>
+          <p:style>
+            <a:lnRef idx="2">
+              <a:schemeClr val="accent1">
+                <a:shade val="15000"/>
+              </a:schemeClr>
+            </a:lnRef>
+            <a:fillRef idx="1">
+              <a:schemeClr val="accent1"/>
+            </a:fillRef>
+            <a:effectRef idx="0">
+              <a:schemeClr val="accent1"/>
+            </a:effectRef>
+            <a:fontRef idx="minor">
+              <a:schemeClr val="lt1"/>
+            </a:fontRef>
+          </p:style>
+          <p:txBody>
+            <a:bodyPr rtlCol="0" anchor="ctr"/>
+            <a:lstStyle/>
+            <a:p>
+              <a:pPr algn="ctr"/>
+              <a:r>
+                <a:rPr lang="en-US" dirty="0"/>
+                <a:t>Predictor 3</a:t>
+              </a:r>
+            </a:p>
+          </p:txBody>
+        </p:sp>
+        <p:sp>
+          <p:nvSpPr>
+            <p:cNvPr id="62" name="Rounded Rectangle 61">
+              <a:extLst>
+                <a:ext uri="{FF2B5EF4-FFF2-40B4-BE49-F238E27FC236}">
+                  <a16:creationId xmlns:a16="http://schemas.microsoft.com/office/drawing/2014/main" id="{017E8575-AD8A-D0F7-1000-F05995959053}"/>
+                </a:ext>
+              </a:extLst>
+            </p:cNvPr>
+            <p:cNvSpPr/>
+            <p:nvPr/>
+          </p:nvSpPr>
+          <p:spPr>
+            <a:xfrm>
+              <a:off x="88812" y="2349081"/>
+              <a:ext cx="1413656" cy="346934"/>
+            </a:xfrm>
+            <a:prstGeom prst="roundRect">
+              <a:avLst/>
+            </a:prstGeom>
+            <a:solidFill>
+              <a:schemeClr val="accent2"/>
+            </a:solidFill>
+          </p:spPr>
+          <p:style>
+            <a:lnRef idx="2">
+              <a:schemeClr val="accent1">
+                <a:shade val="15000"/>
+              </a:schemeClr>
+            </a:lnRef>
+            <a:fillRef idx="1">
+              <a:schemeClr val="accent1"/>
+            </a:fillRef>
+            <a:effectRef idx="0">
+              <a:schemeClr val="accent1"/>
+            </a:effectRef>
+            <a:fontRef idx="minor">
+              <a:schemeClr val="lt1"/>
+            </a:fontRef>
+          </p:style>
+          <p:txBody>
+            <a:bodyPr rtlCol="0" anchor="ctr"/>
+            <a:lstStyle/>
+            <a:p>
+              <a:pPr algn="ctr"/>
+              <a:r>
+                <a:rPr lang="en-US" dirty="0"/>
+                <a:t>Predictor 4</a:t>
+              </a:r>
+            </a:p>
+          </p:txBody>
+        </p:sp>
+        <p:sp>
+          <p:nvSpPr>
+            <p:cNvPr id="63" name="Rounded Rectangle 62">
+              <a:extLst>
+                <a:ext uri="{FF2B5EF4-FFF2-40B4-BE49-F238E27FC236}">
+                  <a16:creationId xmlns:a16="http://schemas.microsoft.com/office/drawing/2014/main" id="{A699F5AF-8B54-DD55-6ED4-F308A751AD6E}"/>
+                </a:ext>
+              </a:extLst>
+            </p:cNvPr>
+            <p:cNvSpPr/>
+            <p:nvPr/>
+          </p:nvSpPr>
+          <p:spPr>
+            <a:xfrm>
+              <a:off x="88812" y="3174293"/>
+              <a:ext cx="1413656" cy="346934"/>
+            </a:xfrm>
+            <a:prstGeom prst="roundRect">
+              <a:avLst/>
+            </a:prstGeom>
+            <a:solidFill>
+              <a:schemeClr val="accent2"/>
+            </a:solidFill>
+          </p:spPr>
+          <p:style>
+            <a:lnRef idx="2">
+              <a:schemeClr val="accent1">
+                <a:shade val="15000"/>
+              </a:schemeClr>
+            </a:lnRef>
+            <a:fillRef idx="1">
+              <a:schemeClr val="accent1"/>
+            </a:fillRef>
+            <a:effectRef idx="0">
+              <a:schemeClr val="accent1"/>
+            </a:effectRef>
+            <a:fontRef idx="minor">
+              <a:schemeClr val="lt1"/>
+            </a:fontRef>
+          </p:style>
+          <p:txBody>
+            <a:bodyPr rtlCol="0" anchor="ctr"/>
+            <a:lstStyle/>
+            <a:p>
+              <a:pPr algn="ctr"/>
+              <a:r>
+                <a:rPr lang="en-US" dirty="0"/>
+                <a:t>Predictor N</a:t>
+              </a:r>
+            </a:p>
+          </p:txBody>
+        </p:sp>
+        <p:cxnSp>
+          <p:nvCxnSpPr>
+            <p:cNvPr id="64" name="Straight Arrow Connector 63">
+              <a:extLst>
+                <a:ext uri="{FF2B5EF4-FFF2-40B4-BE49-F238E27FC236}">
+                  <a16:creationId xmlns:a16="http://schemas.microsoft.com/office/drawing/2014/main" id="{4E36CBD3-1840-B45D-6BFF-ECDBA19A76CD}"/>
+                </a:ext>
+              </a:extLst>
+            </p:cNvPr>
+            <p:cNvCxnSpPr>
+              <a:cxnSpLocks/>
+              <a:stCxn id="59" idx="3"/>
+            </p:cNvCxnSpPr>
+            <p:nvPr/>
+          </p:nvCxnSpPr>
+          <p:spPr>
+            <a:xfrm>
+              <a:off x="1502468" y="1697338"/>
+              <a:ext cx="909454" cy="952251"/>
+            </a:xfrm>
+            <a:prstGeom prst="straightConnector1">
+              <a:avLst/>
+            </a:prstGeom>
+            <a:ln>
+              <a:tailEnd type="triangle"/>
+            </a:ln>
+          </p:spPr>
+          <p:style>
+            <a:lnRef idx="2">
+              <a:schemeClr val="accent1"/>
+            </a:lnRef>
+            <a:fillRef idx="0">
+              <a:schemeClr val="accent1"/>
+            </a:fillRef>
+            <a:effectRef idx="1">
+              <a:schemeClr val="accent1"/>
+            </a:effectRef>
+            <a:fontRef idx="minor">
+              <a:schemeClr val="tx1"/>
+            </a:fontRef>
+          </p:style>
+        </p:cxnSp>
+        <p:cxnSp>
+          <p:nvCxnSpPr>
+            <p:cNvPr id="65" name="Straight Arrow Connector 64">
+              <a:extLst>
+                <a:ext uri="{FF2B5EF4-FFF2-40B4-BE49-F238E27FC236}">
+                  <a16:creationId xmlns:a16="http://schemas.microsoft.com/office/drawing/2014/main" id="{68C4E18B-2527-1E01-3C67-F6D321BB8CF6}"/>
+                </a:ext>
+              </a:extLst>
+            </p:cNvPr>
+            <p:cNvCxnSpPr>
+              <a:cxnSpLocks/>
+              <a:stCxn id="62" idx="3"/>
+            </p:cNvCxnSpPr>
+            <p:nvPr/>
+          </p:nvCxnSpPr>
+          <p:spPr>
+            <a:xfrm>
+              <a:off x="1502468" y="2522548"/>
+              <a:ext cx="909454" cy="127041"/>
+            </a:xfrm>
+            <a:prstGeom prst="straightConnector1">
+              <a:avLst/>
+            </a:prstGeom>
+            <a:ln>
+              <a:tailEnd type="triangle"/>
+            </a:ln>
+          </p:spPr>
+          <p:style>
+            <a:lnRef idx="2">
+              <a:schemeClr val="accent1"/>
+            </a:lnRef>
+            <a:fillRef idx="0">
+              <a:schemeClr val="accent1"/>
+            </a:fillRef>
+            <a:effectRef idx="1">
+              <a:schemeClr val="accent1"/>
+            </a:effectRef>
+            <a:fontRef idx="minor">
+              <a:schemeClr val="tx1"/>
+            </a:fontRef>
+          </p:style>
+        </p:cxnSp>
+        <p:cxnSp>
+          <p:nvCxnSpPr>
+            <p:cNvPr id="66" name="Straight Arrow Connector 65">
+              <a:extLst>
+                <a:ext uri="{FF2B5EF4-FFF2-40B4-BE49-F238E27FC236}">
+                  <a16:creationId xmlns:a16="http://schemas.microsoft.com/office/drawing/2014/main" id="{E9D26E8F-95BD-CFDE-A3C2-5048C49049E2}"/>
+                </a:ext>
+              </a:extLst>
+            </p:cNvPr>
+            <p:cNvCxnSpPr>
+              <a:cxnSpLocks/>
+            </p:cNvCxnSpPr>
+            <p:nvPr/>
+          </p:nvCxnSpPr>
+          <p:spPr>
+            <a:xfrm flipV="1">
+              <a:off x="1497521" y="2649589"/>
+              <a:ext cx="914401" cy="671281"/>
+            </a:xfrm>
+            <a:prstGeom prst="straightConnector1">
+              <a:avLst/>
+            </a:prstGeom>
+            <a:ln>
+              <a:tailEnd type="triangle"/>
+            </a:ln>
+          </p:spPr>
+          <p:style>
+            <a:lnRef idx="2">
+              <a:schemeClr val="accent1"/>
+            </a:lnRef>
+            <a:fillRef idx="0">
+              <a:schemeClr val="accent1"/>
+            </a:fillRef>
+            <a:effectRef idx="1">
+              <a:schemeClr val="accent1"/>
+            </a:effectRef>
+            <a:fontRef idx="minor">
+              <a:schemeClr val="tx1"/>
+            </a:fontRef>
+          </p:style>
+        </p:cxnSp>
+        <p:cxnSp>
+          <p:nvCxnSpPr>
+            <p:cNvPr id="67" name="Straight Arrow Connector 66">
+              <a:extLst>
+                <a:ext uri="{FF2B5EF4-FFF2-40B4-BE49-F238E27FC236}">
+                  <a16:creationId xmlns:a16="http://schemas.microsoft.com/office/drawing/2014/main" id="{DE3E4218-CBC7-361B-166F-F6FAB8F1B794}"/>
+                </a:ext>
+              </a:extLst>
+            </p:cNvPr>
+            <p:cNvCxnSpPr>
+              <a:cxnSpLocks/>
+              <a:stCxn id="61" idx="3"/>
+            </p:cNvCxnSpPr>
+            <p:nvPr/>
+          </p:nvCxnSpPr>
+          <p:spPr>
+            <a:xfrm>
+              <a:off x="1502468" y="2247478"/>
+              <a:ext cx="909454" cy="402111"/>
+            </a:xfrm>
+            <a:prstGeom prst="straightConnector1">
+              <a:avLst/>
+            </a:prstGeom>
+            <a:ln>
+              <a:tailEnd type="triangle"/>
+            </a:ln>
+          </p:spPr>
+          <p:style>
+            <a:lnRef idx="2">
+              <a:schemeClr val="accent1"/>
+            </a:lnRef>
+            <a:fillRef idx="0">
+              <a:schemeClr val="accent1"/>
+            </a:fillRef>
+            <a:effectRef idx="1">
+              <a:schemeClr val="accent1"/>
+            </a:effectRef>
+            <a:fontRef idx="minor">
+              <a:schemeClr val="tx1"/>
+            </a:fontRef>
+          </p:style>
+        </p:cxnSp>
+        <p:cxnSp>
+          <p:nvCxnSpPr>
+            <p:cNvPr id="68" name="Straight Arrow Connector 67">
+              <a:extLst>
+                <a:ext uri="{FF2B5EF4-FFF2-40B4-BE49-F238E27FC236}">
+                  <a16:creationId xmlns:a16="http://schemas.microsoft.com/office/drawing/2014/main" id="{96B38E69-7C82-FA04-60D4-A6BAAC4312CF}"/>
+                </a:ext>
+              </a:extLst>
+            </p:cNvPr>
+            <p:cNvCxnSpPr>
+              <a:cxnSpLocks/>
+              <a:stCxn id="60" idx="3"/>
+            </p:cNvCxnSpPr>
+            <p:nvPr/>
+          </p:nvCxnSpPr>
+          <p:spPr>
+            <a:xfrm>
+              <a:off x="1502468" y="1972408"/>
+              <a:ext cx="909454" cy="677181"/>
+            </a:xfrm>
+            <a:prstGeom prst="straightConnector1">
+              <a:avLst/>
+            </a:prstGeom>
+            <a:ln>
+              <a:tailEnd type="triangle"/>
+            </a:ln>
+          </p:spPr>
+          <p:style>
+            <a:lnRef idx="2">
+              <a:schemeClr val="accent1"/>
+            </a:lnRef>
+            <a:fillRef idx="0">
+              <a:schemeClr val="accent1"/>
+            </a:fillRef>
+            <a:effectRef idx="1">
+              <a:schemeClr val="accent1"/>
+            </a:effectRef>
+            <a:fontRef idx="minor">
+              <a:schemeClr val="tx1"/>
+            </a:fontRef>
+          </p:style>
+        </p:cxnSp>
+      </p:grpSp>
     </p:spTree>
     <p:extLst>
       <p:ext uri="{BB962C8B-B14F-4D97-AF65-F5344CB8AC3E}">
